--- a/myproject/ClassifyPokemonByEggType.pptx
+++ b/myproject/ClassifyPokemonByEggType.pptx
@@ -202,7 +202,7 @@
           <a:p>
             <a:fld id="{6E9DBE69-51CF-BB40-BAC2-13A7F192CC98}" type="datetimeFigureOut">
               <a:rPr kumimoji="1" lang="ja-JP" altLang="en-US" smtClean="0"/>
-              <a:t>2020/11/15</a:t>
+              <a:t>2020/11/16</a:t>
             </a:fld>
             <a:endParaRPr kumimoji="1" lang="ja-JP" altLang="en-US"/>
           </a:p>
@@ -732,7 +732,7 @@
           <a:p>
             <a:fld id="{557502FF-F51E-4C44-8A42-D491DC98A43B}" type="datetimeFigureOut">
               <a:rPr kumimoji="1" lang="ja-JP" altLang="en-US" smtClean="0"/>
-              <a:t>2020/11/15</a:t>
+              <a:t>2020/11/16</a:t>
             </a:fld>
             <a:endParaRPr kumimoji="1" lang="ja-JP" altLang="en-US"/>
           </a:p>
@@ -962,7 +962,7 @@
           <a:p>
             <a:fld id="{557502FF-F51E-4C44-8A42-D491DC98A43B}" type="datetimeFigureOut">
               <a:rPr kumimoji="1" lang="ja-JP" altLang="en-US" smtClean="0"/>
-              <a:t>2020/11/15</a:t>
+              <a:t>2020/11/16</a:t>
             </a:fld>
             <a:endParaRPr kumimoji="1" lang="ja-JP" altLang="en-US"/>
           </a:p>
@@ -1202,7 +1202,7 @@
           <a:p>
             <a:fld id="{557502FF-F51E-4C44-8A42-D491DC98A43B}" type="datetimeFigureOut">
               <a:rPr kumimoji="1" lang="ja-JP" altLang="en-US" smtClean="0"/>
-              <a:t>2020/11/15</a:t>
+              <a:t>2020/11/16</a:t>
             </a:fld>
             <a:endParaRPr kumimoji="1" lang="ja-JP" altLang="en-US"/>
           </a:p>
@@ -1432,7 +1432,7 @@
           <a:p>
             <a:fld id="{557502FF-F51E-4C44-8A42-D491DC98A43B}" type="datetimeFigureOut">
               <a:rPr kumimoji="1" lang="ja-JP" altLang="en-US" smtClean="0"/>
-              <a:t>2020/11/15</a:t>
+              <a:t>2020/11/16</a:t>
             </a:fld>
             <a:endParaRPr kumimoji="1" lang="ja-JP" altLang="en-US"/>
           </a:p>
@@ -1707,7 +1707,7 @@
           <a:p>
             <a:fld id="{557502FF-F51E-4C44-8A42-D491DC98A43B}" type="datetimeFigureOut">
               <a:rPr kumimoji="1" lang="ja-JP" altLang="en-US" smtClean="0"/>
-              <a:t>2020/11/15</a:t>
+              <a:t>2020/11/16</a:t>
             </a:fld>
             <a:endParaRPr kumimoji="1" lang="ja-JP" altLang="en-US"/>
           </a:p>
@@ -2036,7 +2036,7 @@
           <a:p>
             <a:fld id="{557502FF-F51E-4C44-8A42-D491DC98A43B}" type="datetimeFigureOut">
               <a:rPr kumimoji="1" lang="ja-JP" altLang="en-US" smtClean="0"/>
-              <a:t>2020/11/15</a:t>
+              <a:t>2020/11/16</a:t>
             </a:fld>
             <a:endParaRPr kumimoji="1" lang="ja-JP" altLang="en-US"/>
           </a:p>
@@ -2512,7 +2512,7 @@
           <a:p>
             <a:fld id="{557502FF-F51E-4C44-8A42-D491DC98A43B}" type="datetimeFigureOut">
               <a:rPr kumimoji="1" lang="ja-JP" altLang="en-US" smtClean="0"/>
-              <a:t>2020/11/15</a:t>
+              <a:t>2020/11/16</a:t>
             </a:fld>
             <a:endParaRPr kumimoji="1" lang="ja-JP" altLang="en-US"/>
           </a:p>
@@ -2653,7 +2653,7 @@
           <a:p>
             <a:fld id="{557502FF-F51E-4C44-8A42-D491DC98A43B}" type="datetimeFigureOut">
               <a:rPr kumimoji="1" lang="ja-JP" altLang="en-US" smtClean="0"/>
-              <a:t>2020/11/15</a:t>
+              <a:t>2020/11/16</a:t>
             </a:fld>
             <a:endParaRPr kumimoji="1" lang="ja-JP" altLang="en-US"/>
           </a:p>
@@ -2766,7 +2766,7 @@
           <a:p>
             <a:fld id="{557502FF-F51E-4C44-8A42-D491DC98A43B}" type="datetimeFigureOut">
               <a:rPr kumimoji="1" lang="ja-JP" altLang="en-US" smtClean="0"/>
-              <a:t>2020/11/15</a:t>
+              <a:t>2020/11/16</a:t>
             </a:fld>
             <a:endParaRPr kumimoji="1" lang="ja-JP" altLang="en-US"/>
           </a:p>
@@ -3109,7 +3109,7 @@
           <a:p>
             <a:fld id="{557502FF-F51E-4C44-8A42-D491DC98A43B}" type="datetimeFigureOut">
               <a:rPr kumimoji="1" lang="ja-JP" altLang="en-US" smtClean="0"/>
-              <a:t>2020/11/15</a:t>
+              <a:t>2020/11/16</a:t>
             </a:fld>
             <a:endParaRPr kumimoji="1" lang="ja-JP" altLang="en-US"/>
           </a:p>
@@ -3397,7 +3397,7 @@
           <a:p>
             <a:fld id="{557502FF-F51E-4C44-8A42-D491DC98A43B}" type="datetimeFigureOut">
               <a:rPr kumimoji="1" lang="ja-JP" altLang="en-US" smtClean="0"/>
-              <a:t>2020/11/15</a:t>
+              <a:t>2020/11/16</a:t>
             </a:fld>
             <a:endParaRPr kumimoji="1" lang="ja-JP" altLang="en-US"/>
           </a:p>
@@ -3670,7 +3670,7 @@
           <a:p>
             <a:fld id="{557502FF-F51E-4C44-8A42-D491DC98A43B}" type="datetimeFigureOut">
               <a:rPr kumimoji="1" lang="ja-JP" altLang="en-US" smtClean="0"/>
-              <a:t>2020/11/15</a:t>
+              <a:t>2020/11/16</a:t>
             </a:fld>
             <a:endParaRPr kumimoji="1" lang="ja-JP" altLang="en-US"/>
           </a:p>
@@ -4453,18 +4453,18 @@
           <a:lstStyle/>
           <a:p>
             <a:r>
-              <a:rPr lang="ja-JP" altLang="en-US" sz="4000"/>
+              <a:rPr lang="ja-JP" altLang="en-US" sz="4000" b="1"/>
               <a:t>背景：</a:t>
             </a:r>
             <a:r>
-              <a:rPr lang="en-US" altLang="ja-JP" sz="4000" dirty="0"/>
+              <a:rPr lang="en-US" altLang="ja-JP" sz="4000" b="1" dirty="0"/>
               <a:t> </a:t>
             </a:r>
             <a:r>
-              <a:rPr lang="ja-JP" altLang="en-US" sz="4000"/>
+              <a:rPr lang="ja-JP" altLang="en-US" sz="4000" b="1"/>
               <a:t>ポケモンとは</a:t>
             </a:r>
-            <a:endParaRPr kumimoji="1" lang="ja-JP" altLang="en-US" sz="4000"/>
+            <a:endParaRPr kumimoji="1" lang="ja-JP" altLang="en-US" sz="4000" b="1"/>
           </a:p>
         </p:txBody>
       </p:sp>
@@ -4899,18 +4899,18 @@
           <a:lstStyle/>
           <a:p>
             <a:r>
-              <a:rPr lang="ja-JP" altLang="en-US" sz="4000"/>
+              <a:rPr lang="ja-JP" altLang="en-US" sz="4000" b="1"/>
               <a:t>背景：</a:t>
             </a:r>
             <a:r>
-              <a:rPr lang="en-US" altLang="ja-JP" sz="4000" dirty="0"/>
+              <a:rPr lang="en-US" altLang="ja-JP" sz="4000" b="1" dirty="0"/>
               <a:t> </a:t>
             </a:r>
             <a:r>
-              <a:rPr lang="ja-JP" altLang="en-US" sz="4000"/>
+              <a:rPr lang="ja-JP" altLang="en-US" sz="4000" b="1"/>
               <a:t>タマゴグループとは</a:t>
             </a:r>
-            <a:endParaRPr kumimoji="1" lang="ja-JP" altLang="en-US" sz="4000"/>
+            <a:endParaRPr kumimoji="1" lang="ja-JP" altLang="en-US" sz="4000" b="1"/>
           </a:p>
         </p:txBody>
       </p:sp>
@@ -5404,10 +5404,10 @@
           <a:lstStyle/>
           <a:p>
             <a:r>
-              <a:rPr lang="ja-JP" altLang="en-US" sz="4000"/>
+              <a:rPr lang="ja-JP" altLang="en-US" sz="4000" b="1"/>
               <a:t>仮説</a:t>
             </a:r>
-            <a:endParaRPr kumimoji="1" lang="ja-JP" altLang="en-US" sz="4000"/>
+            <a:endParaRPr kumimoji="1" lang="ja-JP" altLang="en-US" sz="4000" b="1"/>
           </a:p>
         </p:txBody>
       </p:sp>
@@ -5835,7 +5835,7 @@
           <a:lstStyle/>
           <a:p>
             <a:r>
-              <a:rPr kumimoji="1" lang="ja-JP" altLang="en-US" sz="4000"/>
+              <a:rPr kumimoji="1" lang="ja-JP" altLang="en-US" sz="4000" b="1"/>
               <a:t>やりたいこと</a:t>
             </a:r>
           </a:p>
@@ -5939,10 +5939,10 @@
       </p:pic>
       <p:pic>
         <p:nvPicPr>
-          <p:cNvPr id="8" name="図 7">
-            <a:extLst>
-              <a:ext uri="{FF2B5EF4-FFF2-40B4-BE49-F238E27FC236}">
-                <a16:creationId xmlns:a16="http://schemas.microsoft.com/office/drawing/2014/main" id="{BC9BF9FC-E124-C14E-8CAD-709B59E3FD17}"/>
+          <p:cNvPr id="20" name="図 19" descr="ロゴ&#10;&#10;自動的に生成された説明">
+            <a:extLst>
+              <a:ext uri="{FF2B5EF4-FFF2-40B4-BE49-F238E27FC236}">
+                <a16:creationId xmlns:a16="http://schemas.microsoft.com/office/drawing/2014/main" id="{1A2EABE1-8463-9846-9F9F-E7F19725F723}"/>
               </a:ext>
             </a:extLst>
           </p:cNvPr>
@@ -5959,8 +5959,8 @@
         </p:blipFill>
         <p:spPr>
           <a:xfrm>
-            <a:off x="1282388" y="4660538"/>
-            <a:ext cx="1369158" cy="1369158"/>
+            <a:off x="7032603" y="4625875"/>
+            <a:ext cx="2447925" cy="2447925"/>
           </a:xfrm>
           <a:prstGeom prst="rect">
             <a:avLst/>
@@ -5969,10 +5969,10 @@
       </p:pic>
       <p:pic>
         <p:nvPicPr>
-          <p:cNvPr id="10" name="図 9">
-            <a:extLst>
-              <a:ext uri="{FF2B5EF4-FFF2-40B4-BE49-F238E27FC236}">
-                <a16:creationId xmlns:a16="http://schemas.microsoft.com/office/drawing/2014/main" id="{A50DBE2F-A227-C941-A3F1-8FF986D067AB}"/>
+          <p:cNvPr id="22" name="図 21" descr="テキスト が含まれている画像&#10;&#10;自動的に生成された説明">
+            <a:extLst>
+              <a:ext uri="{FF2B5EF4-FFF2-40B4-BE49-F238E27FC236}">
+                <a16:creationId xmlns:a16="http://schemas.microsoft.com/office/drawing/2014/main" id="{70E13848-0732-424F-A8D8-03CA530E0850}"/>
               </a:ext>
             </a:extLst>
           </p:cNvPr>
@@ -5988,186 +5988,6 @@
           </a:stretch>
         </p:blipFill>
         <p:spPr>
-          <a:xfrm rot="21063872">
-            <a:off x="2348883" y="2696531"/>
-            <a:ext cx="1369158" cy="1369158"/>
-          </a:xfrm>
-          <a:prstGeom prst="rect">
-            <a:avLst/>
-          </a:prstGeom>
-        </p:spPr>
-      </p:pic>
-      <p:pic>
-        <p:nvPicPr>
-          <p:cNvPr id="12" name="図 11" descr="挿絵 が含まれている画像&#10;&#10;自動的に生成された説明">
-            <a:extLst>
-              <a:ext uri="{FF2B5EF4-FFF2-40B4-BE49-F238E27FC236}">
-                <a16:creationId xmlns:a16="http://schemas.microsoft.com/office/drawing/2014/main" id="{7D0DD9A1-19A4-2548-B01D-5BE267DE633C}"/>
-              </a:ext>
-            </a:extLst>
-          </p:cNvPr>
-          <p:cNvPicPr>
-            <a:picLocks noChangeAspect="1"/>
-          </p:cNvPicPr>
-          <p:nvPr/>
-        </p:nvPicPr>
-        <p:blipFill>
-          <a:blip r:embed="rId6"/>
-          <a:stretch>
-            <a:fillRect/>
-          </a:stretch>
-        </p:blipFill>
-        <p:spPr>
-          <a:xfrm>
-            <a:off x="3911462" y="3608109"/>
-            <a:ext cx="1504950" cy="1504950"/>
-          </a:xfrm>
-          <a:prstGeom prst="rect">
-            <a:avLst/>
-          </a:prstGeom>
-        </p:spPr>
-      </p:pic>
-      <p:pic>
-        <p:nvPicPr>
-          <p:cNvPr id="14" name="図 13" descr="部屋 が含まれている画像&#10;&#10;自動的に生成された説明">
-            <a:extLst>
-              <a:ext uri="{FF2B5EF4-FFF2-40B4-BE49-F238E27FC236}">
-                <a16:creationId xmlns:a16="http://schemas.microsoft.com/office/drawing/2014/main" id="{2C9E3FE3-407B-BC45-A995-BAAF20779539}"/>
-              </a:ext>
-            </a:extLst>
-          </p:cNvPr>
-          <p:cNvPicPr>
-            <a:picLocks noChangeAspect="1"/>
-          </p:cNvPicPr>
-          <p:nvPr/>
-        </p:nvPicPr>
-        <p:blipFill>
-          <a:blip r:embed="rId7"/>
-          <a:stretch>
-            <a:fillRect/>
-          </a:stretch>
-        </p:blipFill>
-        <p:spPr>
-          <a:xfrm>
-            <a:off x="1371676" y="3276500"/>
-            <a:ext cx="1504950" cy="1504950"/>
-          </a:xfrm>
-          <a:prstGeom prst="rect">
-            <a:avLst/>
-          </a:prstGeom>
-        </p:spPr>
-      </p:pic>
-      <p:pic>
-        <p:nvPicPr>
-          <p:cNvPr id="16" name="図 15" descr="傘 が含まれている画像&#10;&#10;自動的に生成された説明">
-            <a:extLst>
-              <a:ext uri="{FF2B5EF4-FFF2-40B4-BE49-F238E27FC236}">
-                <a16:creationId xmlns:a16="http://schemas.microsoft.com/office/drawing/2014/main" id="{A8A1C7F4-3098-6044-B7E4-6D9B8CADDF2A}"/>
-              </a:ext>
-            </a:extLst>
-          </p:cNvPr>
-          <p:cNvPicPr>
-            <a:picLocks noChangeAspect="1"/>
-          </p:cNvPicPr>
-          <p:nvPr/>
-        </p:nvPicPr>
-        <p:blipFill>
-          <a:blip r:embed="rId8"/>
-          <a:stretch>
-            <a:fillRect/>
-          </a:stretch>
-        </p:blipFill>
-        <p:spPr>
-          <a:xfrm>
-            <a:off x="3864958" y="4532559"/>
-            <a:ext cx="1504950" cy="1504950"/>
-          </a:xfrm>
-          <a:prstGeom prst="rect">
-            <a:avLst/>
-          </a:prstGeom>
-        </p:spPr>
-      </p:pic>
-      <p:pic>
-        <p:nvPicPr>
-          <p:cNvPr id="18" name="図 17">
-            <a:extLst>
-              <a:ext uri="{FF2B5EF4-FFF2-40B4-BE49-F238E27FC236}">
-                <a16:creationId xmlns:a16="http://schemas.microsoft.com/office/drawing/2014/main" id="{FC0A775C-0249-014F-8649-E65D32BB90D1}"/>
-              </a:ext>
-            </a:extLst>
-          </p:cNvPr>
-          <p:cNvPicPr>
-            <a:picLocks noChangeAspect="1"/>
-          </p:cNvPicPr>
-          <p:nvPr/>
-        </p:nvPicPr>
-        <p:blipFill>
-          <a:blip r:embed="rId9"/>
-          <a:stretch>
-            <a:fillRect/>
-          </a:stretch>
-        </p:blipFill>
-        <p:spPr>
-          <a:xfrm>
-            <a:off x="3424761" y="2676525"/>
-            <a:ext cx="1504950" cy="1504950"/>
-          </a:xfrm>
-          <a:prstGeom prst="rect">
-            <a:avLst/>
-          </a:prstGeom>
-        </p:spPr>
-      </p:pic>
-      <p:pic>
-        <p:nvPicPr>
-          <p:cNvPr id="20" name="図 19" descr="ロゴ&#10;&#10;自動的に生成された説明">
-            <a:extLst>
-              <a:ext uri="{FF2B5EF4-FFF2-40B4-BE49-F238E27FC236}">
-                <a16:creationId xmlns:a16="http://schemas.microsoft.com/office/drawing/2014/main" id="{1A2EABE1-8463-9846-9F9F-E7F19725F723}"/>
-              </a:ext>
-            </a:extLst>
-          </p:cNvPr>
-          <p:cNvPicPr>
-            <a:picLocks noChangeAspect="1"/>
-          </p:cNvPicPr>
-          <p:nvPr/>
-        </p:nvPicPr>
-        <p:blipFill>
-          <a:blip r:embed="rId10"/>
-          <a:stretch>
-            <a:fillRect/>
-          </a:stretch>
-        </p:blipFill>
-        <p:spPr>
-          <a:xfrm>
-            <a:off x="7032603" y="4625875"/>
-            <a:ext cx="2447925" cy="2447925"/>
-          </a:xfrm>
-          <a:prstGeom prst="rect">
-            <a:avLst/>
-          </a:prstGeom>
-        </p:spPr>
-      </p:pic>
-      <p:pic>
-        <p:nvPicPr>
-          <p:cNvPr id="22" name="図 21" descr="テキスト が含まれている画像&#10;&#10;自動的に生成された説明">
-            <a:extLst>
-              <a:ext uri="{FF2B5EF4-FFF2-40B4-BE49-F238E27FC236}">
-                <a16:creationId xmlns:a16="http://schemas.microsoft.com/office/drawing/2014/main" id="{70E13848-0732-424F-A8D8-03CA530E0850}"/>
-              </a:ext>
-            </a:extLst>
-          </p:cNvPr>
-          <p:cNvPicPr>
-            <a:picLocks noChangeAspect="1"/>
-          </p:cNvPicPr>
-          <p:nvPr/>
-        </p:nvPicPr>
-        <p:blipFill>
-          <a:blip r:embed="rId11"/>
-          <a:stretch>
-            <a:fillRect/>
-          </a:stretch>
-        </p:blipFill>
-        <p:spPr>
           <a:xfrm>
             <a:off x="8401019" y="1915620"/>
             <a:ext cx="3730580" cy="2111818"/>
@@ -6281,6 +6101,52 @@
               <a:rPr kumimoji="1" lang="ja-JP" altLang="en-US" sz="2800" b="1"/>
               <a:t>テストデータで検証する。</a:t>
             </a:r>
+          </a:p>
+        </p:txBody>
+      </p:sp>
+      <p:sp>
+        <p:nvSpPr>
+          <p:cNvPr id="2" name="右矢印 1">
+            <a:extLst>
+              <a:ext uri="{FF2B5EF4-FFF2-40B4-BE49-F238E27FC236}">
+                <a16:creationId xmlns:a16="http://schemas.microsoft.com/office/drawing/2014/main" id="{7F93AF33-0B30-6A42-853B-50BC13B55F15}"/>
+              </a:ext>
+            </a:extLst>
+          </p:cNvPr>
+          <p:cNvSpPr/>
+          <p:nvPr/>
+        </p:nvSpPr>
+        <p:spPr>
+          <a:xfrm>
+            <a:off x="5775152" y="4141243"/>
+            <a:ext cx="1459234" cy="852788"/>
+          </a:xfrm>
+          <a:prstGeom prst="rightArrow">
+            <a:avLst/>
+          </a:prstGeom>
+        </p:spPr>
+        <p:style>
+          <a:lnRef idx="2">
+            <a:schemeClr val="accent1">
+              <a:shade val="50000"/>
+            </a:schemeClr>
+          </a:lnRef>
+          <a:fillRef idx="1">
+            <a:schemeClr val="accent1"/>
+          </a:fillRef>
+          <a:effectRef idx="0">
+            <a:schemeClr val="accent1"/>
+          </a:effectRef>
+          <a:fontRef idx="minor">
+            <a:schemeClr val="lt1"/>
+          </a:fontRef>
+        </p:style>
+        <p:txBody>
+          <a:bodyPr rtlCol="0" anchor="ctr"/>
+          <a:lstStyle/>
+          <a:p>
+            <a:pPr algn="ctr"/>
+            <a:endParaRPr kumimoji="1" lang="ja-JP" altLang="en-US"/>
           </a:p>
         </p:txBody>
       </p:sp>
@@ -6359,10 +6225,9 @@
           <a:lstStyle/>
           <a:p>
             <a:r>
-              <a:rPr lang="ja-JP" altLang="en-US" sz="4000"/>
-              <a:t>実装内容</a:t>
-            </a:r>
-            <a:endParaRPr kumimoji="1" lang="ja-JP" altLang="en-US" sz="4000"/>
+              <a:rPr kumimoji="1" lang="ja-JP" altLang="en-US" sz="4000" b="1"/>
+              <a:t>方針</a:t>
+            </a:r>
           </a:p>
         </p:txBody>
       </p:sp>
